--- a/Topicwise PDF/Exceptions_examples.pptx
+++ b/Topicwise PDF/Exceptions_examples.pptx
@@ -315,7 +315,7 @@
             <a:fld id="{E47829F0-E5C9-40D0-9C9F-1227E394B3CD}" type="datetimeFigureOut">
               <a:rPr lang="en-US" smtClean="0"/>
               <a:pPr/>
-              <a:t>06-May-20</a:t>
+              <a:t>1/15/2022</a:t>
             </a:fld>
             <a:endParaRPr lang="en-US"/>
           </a:p>
@@ -592,7 +592,7 @@
             <a:fld id="{E47829F0-E5C9-40D0-9C9F-1227E394B3CD}" type="datetimeFigureOut">
               <a:rPr lang="en-US" smtClean="0"/>
               <a:pPr/>
-              <a:t>06-May-20</a:t>
+              <a:t>1/15/2022</a:t>
             </a:fld>
             <a:endParaRPr lang="en-US"/>
           </a:p>
@@ -788,7 +788,7 @@
             <a:fld id="{E47829F0-E5C9-40D0-9C9F-1227E394B3CD}" type="datetimeFigureOut">
               <a:rPr lang="en-US" smtClean="0"/>
               <a:pPr/>
-              <a:t>06-May-20</a:t>
+              <a:t>1/15/2022</a:t>
             </a:fld>
             <a:endParaRPr lang="en-US"/>
           </a:p>
@@ -1063,7 +1063,7 @@
             <a:fld id="{E47829F0-E5C9-40D0-9C9F-1227E394B3CD}" type="datetimeFigureOut">
               <a:rPr lang="en-US" smtClean="0"/>
               <a:pPr/>
-              <a:t>06-May-20</a:t>
+              <a:t>1/15/2022</a:t>
             </a:fld>
             <a:endParaRPr lang="en-US"/>
           </a:p>
@@ -1406,7 +1406,7 @@
             <a:fld id="{E47829F0-E5C9-40D0-9C9F-1227E394B3CD}" type="datetimeFigureOut">
               <a:rPr lang="en-US" smtClean="0"/>
               <a:pPr/>
-              <a:t>06-May-20</a:t>
+              <a:t>1/15/2022</a:t>
             </a:fld>
             <a:endParaRPr lang="en-US"/>
           </a:p>
@@ -2031,7 +2031,7 @@
             <a:fld id="{E47829F0-E5C9-40D0-9C9F-1227E394B3CD}" type="datetimeFigureOut">
               <a:rPr lang="en-US" smtClean="0"/>
               <a:pPr/>
-              <a:t>06-May-20</a:t>
+              <a:t>1/15/2022</a:t>
             </a:fld>
             <a:endParaRPr lang="en-US"/>
           </a:p>
@@ -2893,7 +2893,7 @@
             <a:fld id="{E47829F0-E5C9-40D0-9C9F-1227E394B3CD}" type="datetimeFigureOut">
               <a:rPr lang="en-US" smtClean="0"/>
               <a:pPr/>
-              <a:t>06-May-20</a:t>
+              <a:t>1/15/2022</a:t>
             </a:fld>
             <a:endParaRPr lang="en-US"/>
           </a:p>
@@ -3065,7 +3065,7 @@
             <a:fld id="{E47829F0-E5C9-40D0-9C9F-1227E394B3CD}" type="datetimeFigureOut">
               <a:rPr lang="en-US" smtClean="0"/>
               <a:pPr/>
-              <a:t>06-May-20</a:t>
+              <a:t>1/15/2022</a:t>
             </a:fld>
             <a:endParaRPr lang="en-US"/>
           </a:p>
@@ -3247,7 +3247,7 @@
             <a:fld id="{E47829F0-E5C9-40D0-9C9F-1227E394B3CD}" type="datetimeFigureOut">
               <a:rPr lang="en-US" smtClean="0"/>
               <a:pPr/>
-              <a:t>06-May-20</a:t>
+              <a:t>1/15/2022</a:t>
             </a:fld>
             <a:endParaRPr lang="en-US"/>
           </a:p>
@@ -3419,7 +3419,7 @@
             <a:fld id="{E47829F0-E5C9-40D0-9C9F-1227E394B3CD}" type="datetimeFigureOut">
               <a:rPr lang="en-US" smtClean="0"/>
               <a:pPr/>
-              <a:t>06-May-20</a:t>
+              <a:t>1/15/2022</a:t>
             </a:fld>
             <a:endParaRPr lang="en-US"/>
           </a:p>
@@ -3668,7 +3668,7 @@
             <a:fld id="{E47829F0-E5C9-40D0-9C9F-1227E394B3CD}" type="datetimeFigureOut">
               <a:rPr lang="en-US" smtClean="0"/>
               <a:pPr/>
-              <a:t>06-May-20</a:t>
+              <a:t>1/15/2022</a:t>
             </a:fld>
             <a:endParaRPr lang="en-US"/>
           </a:p>
@@ -3962,7 +3962,7 @@
             <a:fld id="{E47829F0-E5C9-40D0-9C9F-1227E394B3CD}" type="datetimeFigureOut">
               <a:rPr lang="en-US" smtClean="0"/>
               <a:pPr/>
-              <a:t>06-May-20</a:t>
+              <a:t>1/15/2022</a:t>
             </a:fld>
             <a:endParaRPr lang="en-US"/>
           </a:p>
@@ -4408,7 +4408,7 @@
             <a:fld id="{E47829F0-E5C9-40D0-9C9F-1227E394B3CD}" type="datetimeFigureOut">
               <a:rPr lang="en-US" smtClean="0"/>
               <a:pPr/>
-              <a:t>06-May-20</a:t>
+              <a:t>1/15/2022</a:t>
             </a:fld>
             <a:endParaRPr lang="en-US"/>
           </a:p>
@@ -4528,7 +4528,7 @@
             <a:fld id="{E47829F0-E5C9-40D0-9C9F-1227E394B3CD}" type="datetimeFigureOut">
               <a:rPr lang="en-US" smtClean="0"/>
               <a:pPr/>
-              <a:t>06-May-20</a:t>
+              <a:t>1/15/2022</a:t>
             </a:fld>
             <a:endParaRPr lang="en-US"/>
           </a:p>
@@ -4625,7 +4625,7 @@
             <a:fld id="{E47829F0-E5C9-40D0-9C9F-1227E394B3CD}" type="datetimeFigureOut">
               <a:rPr lang="en-US" smtClean="0"/>
               <a:pPr/>
-              <a:t>06-May-20</a:t>
+              <a:t>1/15/2022</a:t>
             </a:fld>
             <a:endParaRPr lang="en-US"/>
           </a:p>
@@ -4906,7 +4906,7 @@
             <a:fld id="{E47829F0-E5C9-40D0-9C9F-1227E394B3CD}" type="datetimeFigureOut">
               <a:rPr lang="en-US" smtClean="0"/>
               <a:pPr/>
-              <a:t>06-May-20</a:t>
+              <a:t>1/15/2022</a:t>
             </a:fld>
             <a:endParaRPr lang="en-US"/>
           </a:p>
@@ -5183,7 +5183,7 @@
             <a:fld id="{E47829F0-E5C9-40D0-9C9F-1227E394B3CD}" type="datetimeFigureOut">
               <a:rPr lang="en-US" smtClean="0"/>
               <a:pPr/>
-              <a:t>06-May-20</a:t>
+              <a:t>1/15/2022</a:t>
             </a:fld>
             <a:endParaRPr lang="en-US"/>
           </a:p>
@@ -5750,7 +5750,7 @@
             <a:fld id="{E47829F0-E5C9-40D0-9C9F-1227E394B3CD}" type="datetimeFigureOut">
               <a:rPr lang="en-US" smtClean="0"/>
               <a:pPr/>
-              <a:t>06-May-20</a:t>
+              <a:t>1/15/2022</a:t>
             </a:fld>
             <a:endParaRPr lang="en-US"/>
           </a:p>
